--- a/slides/C24_Transformações.pptx
+++ b/slides/C24_Transformações.pptx
@@ -5,22 +5,23 @@
     <p:sldMasterId id="2147483648" r:id="rId1"/>
   </p:sldMasterIdLst>
   <p:notesMasterIdLst>
-    <p:notesMasterId r:id="rId12"/>
+    <p:notesMasterId r:id="rId13"/>
   </p:notesMasterIdLst>
   <p:handoutMasterIdLst>
-    <p:handoutMasterId r:id="rId13"/>
+    <p:handoutMasterId r:id="rId14"/>
   </p:handoutMasterIdLst>
   <p:sldIdLst>
     <p:sldId id="256" r:id="rId2"/>
     <p:sldId id="316" r:id="rId3"/>
     <p:sldId id="308" r:id="rId4"/>
     <p:sldId id="317" r:id="rId5"/>
-    <p:sldId id="318" r:id="rId6"/>
-    <p:sldId id="319" r:id="rId7"/>
-    <p:sldId id="315" r:id="rId8"/>
-    <p:sldId id="293" r:id="rId9"/>
-    <p:sldId id="314" r:id="rId10"/>
-    <p:sldId id="306" r:id="rId11"/>
+    <p:sldId id="320" r:id="rId6"/>
+    <p:sldId id="318" r:id="rId7"/>
+    <p:sldId id="319" r:id="rId8"/>
+    <p:sldId id="315" r:id="rId9"/>
+    <p:sldId id="293" r:id="rId10"/>
+    <p:sldId id="314" r:id="rId11"/>
+    <p:sldId id="306" r:id="rId12"/>
   </p:sldIdLst>
   <p:sldSz cx="12192000" cy="6858000"/>
   <p:notesSz cx="7315200" cy="9601200"/>
@@ -284,7 +285,7 @@
           <a:p>
             <a:fld id="{144F1436-6906-4D93-B7A2-786C327BFA14}" type="datetimeFigureOut">
               <a:rPr lang="nl-BE" smtClean="0"/>
-              <a:t>20/01/2026</a:t>
+              <a:t>23/01/2026</a:t>
             </a:fld>
             <a:endParaRPr lang="nl-BE"/>
           </a:p>
@@ -449,7 +450,7 @@
           <a:p>
             <a:fld id="{AA8CD09E-2914-4F47-B6C1-51B2C31814C9}" type="datetimeFigureOut">
               <a:rPr lang="pt-BR" smtClean="0"/>
-              <a:t>20/01/2026</a:t>
+              <a:t>23/01/2026</a:t>
             </a:fld>
             <a:endParaRPr lang="pt-BR"/>
           </a:p>
@@ -958,6 +959,90 @@
     </p:spTree>
     <p:extLst>
       <p:ext uri="{BB962C8B-B14F-4D97-AF65-F5344CB8AC3E}">
+        <p14:creationId xmlns:p14="http://schemas.microsoft.com/office/powerpoint/2010/main" val="282220727"/>
+      </p:ext>
+    </p:extLst>
+  </p:cSld>
+  <p:clrMapOvr>
+    <a:masterClrMapping/>
+  </p:clrMapOvr>
+</p:notes>
+</file>
+
+<file path=ppt/notesSlides/notesSlide4.xml><?xml version="1.0" encoding="utf-8"?>
+<p:notes xmlns:a="http://schemas.openxmlformats.org/drawingml/2006/main" xmlns:r="http://schemas.openxmlformats.org/officeDocument/2006/relationships" xmlns:p="http://schemas.openxmlformats.org/presentationml/2006/main">
+  <p:cSld>
+    <p:spTree>
+      <p:nvGrpSpPr>
+        <p:cNvPr id="1" name=""/>
+        <p:cNvGrpSpPr/>
+        <p:nvPr/>
+      </p:nvGrpSpPr>
+      <p:grpSpPr>
+        <a:xfrm>
+          <a:off x="0" y="0"/>
+          <a:ext cx="0" cy="0"/>
+          <a:chOff x="0" y="0"/>
+          <a:chExt cx="0" cy="0"/>
+        </a:xfrm>
+      </p:grpSpPr>
+      <p:sp>
+        <p:nvSpPr>
+          <p:cNvPr id="2" name="Slide Image Placeholder 1"/>
+          <p:cNvSpPr>
+            <a:spLocks noGrp="1" noRot="1" noChangeAspect="1"/>
+          </p:cNvSpPr>
+          <p:nvPr>
+            <p:ph type="sldImg"/>
+          </p:nvPr>
+        </p:nvSpPr>
+        <p:spPr/>
+      </p:sp>
+      <p:sp>
+        <p:nvSpPr>
+          <p:cNvPr id="3" name="Notes Placeholder 2"/>
+          <p:cNvSpPr>
+            <a:spLocks noGrp="1"/>
+          </p:cNvSpPr>
+          <p:nvPr>
+            <p:ph type="body" idx="1"/>
+          </p:nvPr>
+        </p:nvSpPr>
+        <p:spPr/>
+        <p:txBody>
+          <a:bodyPr/>
+          <a:lstStyle/>
+          <a:p>
+            <a:endParaRPr lang="en-US" dirty="0"/>
+          </a:p>
+        </p:txBody>
+      </p:sp>
+      <p:sp>
+        <p:nvSpPr>
+          <p:cNvPr id="4" name="Slide Number Placeholder 3"/>
+          <p:cNvSpPr>
+            <a:spLocks noGrp="1"/>
+          </p:cNvSpPr>
+          <p:nvPr>
+            <p:ph type="sldNum" sz="quarter" idx="5"/>
+          </p:nvPr>
+        </p:nvSpPr>
+        <p:spPr/>
+        <p:txBody>
+          <a:bodyPr/>
+          <a:lstStyle/>
+          <a:p>
+            <a:fld id="{6FC8D850-966F-45A6-8DE7-15B891E7D40D}" type="slidenum">
+              <a:rPr lang="pt-BR" smtClean="0"/>
+              <a:t>6</a:t>
+            </a:fld>
+            <a:endParaRPr lang="pt-BR"/>
+          </a:p>
+        </p:txBody>
+      </p:sp>
+    </p:spTree>
+    <p:extLst>
+      <p:ext uri="{BB962C8B-B14F-4D97-AF65-F5344CB8AC3E}">
         <p14:creationId xmlns:p14="http://schemas.microsoft.com/office/powerpoint/2010/main" val="1069369821"/>
       </p:ext>
     </p:extLst>
@@ -1115,7 +1200,7 @@
           <a:p>
             <a:fld id="{63289F7E-B80B-496E-81B4-D396C37C9454}" type="datetimeFigureOut">
               <a:rPr lang="pt-BR" smtClean="0"/>
-              <a:t>20/01/2026</a:t>
+              <a:t>23/01/2026</a:t>
             </a:fld>
             <a:endParaRPr lang="pt-BR"/>
           </a:p>
@@ -1313,7 +1398,7 @@
           <a:p>
             <a:fld id="{63289F7E-B80B-496E-81B4-D396C37C9454}" type="datetimeFigureOut">
               <a:rPr lang="pt-BR" smtClean="0"/>
-              <a:t>20/01/2026</a:t>
+              <a:t>23/01/2026</a:t>
             </a:fld>
             <a:endParaRPr lang="pt-BR"/>
           </a:p>
@@ -1521,7 +1606,7 @@
           <a:p>
             <a:fld id="{63289F7E-B80B-496E-81B4-D396C37C9454}" type="datetimeFigureOut">
               <a:rPr lang="pt-BR" smtClean="0"/>
-              <a:t>20/01/2026</a:t>
+              <a:t>23/01/2026</a:t>
             </a:fld>
             <a:endParaRPr lang="pt-BR"/>
           </a:p>
@@ -1719,7 +1804,7 @@
           <a:p>
             <a:fld id="{63289F7E-B80B-496E-81B4-D396C37C9454}" type="datetimeFigureOut">
               <a:rPr lang="pt-BR" smtClean="0"/>
-              <a:t>20/01/2026</a:t>
+              <a:t>23/01/2026</a:t>
             </a:fld>
             <a:endParaRPr lang="pt-BR"/>
           </a:p>
@@ -1994,7 +2079,7 @@
           <a:p>
             <a:fld id="{63289F7E-B80B-496E-81B4-D396C37C9454}" type="datetimeFigureOut">
               <a:rPr lang="pt-BR" smtClean="0"/>
-              <a:t>20/01/2026</a:t>
+              <a:t>23/01/2026</a:t>
             </a:fld>
             <a:endParaRPr lang="pt-BR"/>
           </a:p>
@@ -2259,7 +2344,7 @@
           <a:p>
             <a:fld id="{63289F7E-B80B-496E-81B4-D396C37C9454}" type="datetimeFigureOut">
               <a:rPr lang="pt-BR" smtClean="0"/>
-              <a:t>20/01/2026</a:t>
+              <a:t>23/01/2026</a:t>
             </a:fld>
             <a:endParaRPr lang="pt-BR"/>
           </a:p>
@@ -2671,7 +2756,7 @@
           <a:p>
             <a:fld id="{63289F7E-B80B-496E-81B4-D396C37C9454}" type="datetimeFigureOut">
               <a:rPr lang="pt-BR" smtClean="0"/>
-              <a:t>20/01/2026</a:t>
+              <a:t>23/01/2026</a:t>
             </a:fld>
             <a:endParaRPr lang="pt-BR"/>
           </a:p>
@@ -2812,7 +2897,7 @@
           <a:p>
             <a:fld id="{63289F7E-B80B-496E-81B4-D396C37C9454}" type="datetimeFigureOut">
               <a:rPr lang="pt-BR" smtClean="0"/>
-              <a:t>20/01/2026</a:t>
+              <a:t>23/01/2026</a:t>
             </a:fld>
             <a:endParaRPr lang="pt-BR"/>
           </a:p>
@@ -2925,7 +3010,7 @@
           <a:p>
             <a:fld id="{63289F7E-B80B-496E-81B4-D396C37C9454}" type="datetimeFigureOut">
               <a:rPr lang="pt-BR" smtClean="0"/>
-              <a:t>20/01/2026</a:t>
+              <a:t>23/01/2026</a:t>
             </a:fld>
             <a:endParaRPr lang="pt-BR"/>
           </a:p>
@@ -3236,7 +3321,7 @@
           <a:p>
             <a:fld id="{63289F7E-B80B-496E-81B4-D396C37C9454}" type="datetimeFigureOut">
               <a:rPr lang="pt-BR" smtClean="0"/>
-              <a:t>20/01/2026</a:t>
+              <a:t>23/01/2026</a:t>
             </a:fld>
             <a:endParaRPr lang="pt-BR"/>
           </a:p>
@@ -3524,7 +3609,7 @@
           <a:p>
             <a:fld id="{63289F7E-B80B-496E-81B4-D396C37C9454}" type="datetimeFigureOut">
               <a:rPr lang="pt-BR" smtClean="0"/>
-              <a:t>20/01/2026</a:t>
+              <a:t>23/01/2026</a:t>
             </a:fld>
             <a:endParaRPr lang="pt-BR"/>
           </a:p>
@@ -3765,7 +3850,7 @@
           <a:p>
             <a:fld id="{63289F7E-B80B-496E-81B4-D396C37C9454}" type="datetimeFigureOut">
               <a:rPr lang="pt-BR" smtClean="0"/>
-              <a:t>20/01/2026</a:t>
+              <a:t>23/01/2026</a:t>
             </a:fld>
             <a:endParaRPr lang="pt-BR"/>
           </a:p>
@@ -4390,6 +4475,89 @@
       </p:grpSpPr>
       <p:sp>
         <p:nvSpPr>
+          <p:cNvPr id="2" name="Título 1">
+            <a:extLst>
+              <a:ext uri="{FF2B5EF4-FFF2-40B4-BE49-F238E27FC236}">
+                <a16:creationId xmlns:a16="http://schemas.microsoft.com/office/drawing/2014/main" id="{3CA32550-8C76-B013-2EC7-989D8C3B19BE}"/>
+              </a:ext>
+            </a:extLst>
+          </p:cNvPr>
+          <p:cNvSpPr>
+            <a:spLocks noGrp="1"/>
+          </p:cNvSpPr>
+          <p:nvPr>
+            <p:ph type="title"/>
+          </p:nvPr>
+        </p:nvSpPr>
+        <p:spPr/>
+        <p:txBody>
+          <a:bodyPr/>
+          <a:lstStyle/>
+          <a:p>
+            <a:r>
+              <a:rPr lang="pt-BR" dirty="0"/>
+              <a:t>Referências</a:t>
+            </a:r>
+          </a:p>
+        </p:txBody>
+      </p:sp>
+      <p:sp>
+        <p:nvSpPr>
+          <p:cNvPr id="3" name="Espaço Reservado para Conteúdo 2">
+            <a:extLst>
+              <a:ext uri="{FF2B5EF4-FFF2-40B4-BE49-F238E27FC236}">
+                <a16:creationId xmlns:a16="http://schemas.microsoft.com/office/drawing/2014/main" id="{EF043237-7757-7557-B63E-D4EB5152D44B}"/>
+              </a:ext>
+            </a:extLst>
+          </p:cNvPr>
+          <p:cNvSpPr>
+            <a:spLocks noGrp="1"/>
+          </p:cNvSpPr>
+          <p:nvPr>
+            <p:ph idx="1"/>
+          </p:nvPr>
+        </p:nvSpPr>
+        <p:spPr/>
+        <p:txBody>
+          <a:bodyPr/>
+          <a:lstStyle/>
+          <a:p>
+            <a:endParaRPr lang="pt-BR"/>
+          </a:p>
+        </p:txBody>
+      </p:sp>
+    </p:spTree>
+    <p:extLst>
+      <p:ext uri="{BB962C8B-B14F-4D97-AF65-F5344CB8AC3E}">
+        <p14:creationId xmlns:p14="http://schemas.microsoft.com/office/powerpoint/2010/main" val="1787264919"/>
+      </p:ext>
+    </p:extLst>
+  </p:cSld>
+  <p:clrMapOvr>
+    <a:masterClrMapping/>
+  </p:clrMapOvr>
+</p:sld>
+</file>
+
+<file path=ppt/slides/slide11.xml><?xml version="1.0" encoding="utf-8"?>
+<p:sld xmlns:a="http://schemas.openxmlformats.org/drawingml/2006/main" xmlns:r="http://schemas.openxmlformats.org/officeDocument/2006/relationships" xmlns:p="http://schemas.openxmlformats.org/presentationml/2006/main">
+  <p:cSld>
+    <p:spTree>
+      <p:nvGrpSpPr>
+        <p:cNvPr id="1" name=""/>
+        <p:cNvGrpSpPr/>
+        <p:nvPr/>
+      </p:nvGrpSpPr>
+      <p:grpSpPr>
+        <a:xfrm>
+          <a:off x="0" y="0"/>
+          <a:ext cx="0" cy="0"/>
+          <a:chOff x="0" y="0"/>
+          <a:chExt cx="0" cy="0"/>
+        </a:xfrm>
+      </p:grpSpPr>
+      <p:sp>
+        <p:nvSpPr>
           <p:cNvPr id="4" name="Título 1">
             <a:extLst>
               <a:ext uri="{FF2B5EF4-FFF2-40B4-BE49-F238E27FC236}">
@@ -4933,7 +5101,7 @@
           <p:cNvPr id="2" name="Title 1">
             <a:extLst>
               <a:ext uri="{FF2B5EF4-FFF2-40B4-BE49-F238E27FC236}">
-                <a16:creationId xmlns:a16="http://schemas.microsoft.com/office/drawing/2014/main" id="{D09DF078-B9E8-64A5-59BB-3F6BD098D931}"/>
+                <a16:creationId xmlns:a16="http://schemas.microsoft.com/office/drawing/2014/main" id="{A949595A-2BE1-288D-C430-B42FA27A3AAD}"/>
               </a:ext>
             </a:extLst>
           </p:cNvPr>
@@ -4951,25 +5119,16 @@
           <a:p>
             <a:r>
               <a:rPr lang="en-US" dirty="0" err="1"/>
-              <a:t>Codificação</a:t>
+              <a:t>Engenharia</a:t>
             </a:r>
             <a:r>
               <a:rPr lang="en-US" dirty="0"/>
               <a:t> de </a:t>
             </a:r>
             <a:r>
-              <a:rPr lang="en-US" dirty="0" err="1"/>
-              <a:t>variáveis</a:t>
-            </a:r>
-            <a:r>
-              <a:rPr lang="en-US" dirty="0"/>
-              <a:t> </a:t>
-            </a:r>
-            <a:r>
-              <a:rPr lang="en-US" dirty="0" err="1"/>
-              <a:t>categóricas</a:t>
-            </a:r>
-            <a:endParaRPr lang="en-US" dirty="0"/>
+              <a:rPr lang="en-US"/>
+              <a:t>atributos</a:t>
+            </a:r>
           </a:p>
         </p:txBody>
       </p:sp>
@@ -4978,7 +5137,7 @@
           <p:cNvPr id="3" name="Content Placeholder 2">
             <a:extLst>
               <a:ext uri="{FF2B5EF4-FFF2-40B4-BE49-F238E27FC236}">
-                <a16:creationId xmlns:a16="http://schemas.microsoft.com/office/drawing/2014/main" id="{00BC64E6-60A5-6C81-8D65-4C4765C4A26C}"/>
+                <a16:creationId xmlns:a16="http://schemas.microsoft.com/office/drawing/2014/main" id="{DC8B16F1-8959-5098-25C2-B111C8BE4B80}"/>
               </a:ext>
             </a:extLst>
           </p:cNvPr>
@@ -4991,83 +5150,131 @@
         </p:nvSpPr>
         <p:spPr/>
         <p:txBody>
-          <a:bodyPr/>
-          <a:lstStyle/>
+          <a:bodyPr>
+            <a:normAutofit fontScale="85000" lnSpcReduction="10000"/>
+          </a:bodyPr>
+          <a:lstStyle/>
+          <a:p>
+            <a:r>
+              <a:rPr lang="pt-BR" b="1" dirty="0"/>
+              <a:t>Texto do slide:</a:t>
+            </a:r>
+            <a:endParaRPr lang="pt-BR" dirty="0"/>
+          </a:p>
           <a:p>
             <a:r>
               <a:rPr lang="pt-BR" dirty="0"/>
-              <a:t>Transformar texto em número:</a:t>
-            </a:r>
-            <a:br>
+              <a:t>Criar features a partir de: datas, texto, agregações, interações</a:t>
+            </a:r>
+          </a:p>
+          <a:p>
+            <a:r>
               <a:rPr lang="pt-BR" dirty="0"/>
-            </a:br>
+              <a:t>Exemplos: </a:t>
+            </a:r>
+            <a:r>
+              <a:rPr lang="pt-BR" dirty="0" err="1"/>
+              <a:t>dia_da_semana</a:t>
+            </a:r>
             <a:r>
               <a:rPr lang="pt-BR" dirty="0"/>
-              <a:t>✔ </a:t>
+              <a:t>, </a:t>
             </a:r>
             <a:r>
               <a:rPr lang="pt-BR" dirty="0" err="1"/>
-              <a:t>One</a:t>
+              <a:t>tempo_desde_ultima_compra</a:t>
             </a:r>
             <a:r>
               <a:rPr lang="pt-BR" dirty="0"/>
-              <a:t>-Hot </a:t>
+              <a:t>, </a:t>
             </a:r>
             <a:r>
               <a:rPr lang="pt-BR" dirty="0" err="1"/>
-              <a:t>Encoding</a:t>
-            </a:r>
-            <a:br>
+              <a:t>freq_media</a:t>
+            </a:r>
+            <a:endParaRPr lang="pt-BR" dirty="0"/>
+          </a:p>
+          <a:p>
+            <a:r>
+              <a:rPr lang="pt-BR" b="1" dirty="0"/>
+              <a:t>Notas do professor:</a:t>
+            </a:r>
+            <a:endParaRPr lang="pt-BR" dirty="0"/>
+          </a:p>
+          <a:p>
+            <a:r>
               <a:rPr lang="pt-BR" dirty="0"/>
-            </a:br>
+              <a:t>Mostrar antes/depois: como uma nova feature melhora correlação com target.</a:t>
+            </a:r>
+          </a:p>
+          <a:p>
             <a:r>
               <a:rPr lang="pt-BR" dirty="0"/>
-              <a:t>✔ </a:t>
-            </a:r>
+              <a:t>Atividade curta (5 min): em grupos, pensem numa feature nova para um dataset de e‑commerce.</a:t>
+            </a:r>
+          </a:p>
+          <a:p>
+            <a:r>
+              <a:rPr lang="pt-BR" b="1" dirty="0"/>
+              <a:t>Código curto:</a:t>
+            </a:r>
+            <a:endParaRPr lang="pt-BR" dirty="0"/>
+          </a:p>
+          <a:p>
             <a:r>
               <a:rPr lang="pt-BR" dirty="0" err="1"/>
-              <a:t>Label</a:t>
+              <a:t>df</a:t>
             </a:r>
             <a:r>
               <a:rPr lang="pt-BR" dirty="0"/>
-              <a:t> </a:t>
+              <a:t>['</a:t>
             </a:r>
             <a:r>
               <a:rPr lang="pt-BR" dirty="0" err="1"/>
-              <a:t>Encoding</a:t>
+              <a:t>dia_semana</a:t>
+            </a:r>
+            <a:r>
+              <a:rPr lang="pt-BR" dirty="0"/>
+              <a:t>'] = </a:t>
+            </a:r>
+            <a:r>
+              <a:rPr lang="pt-BR" dirty="0" err="1"/>
+              <a:t>df</a:t>
+            </a:r>
+            <a:r>
+              <a:rPr lang="pt-BR" dirty="0"/>
+              <a:t>['</a:t>
+            </a:r>
+            <a:r>
+              <a:rPr lang="pt-BR" dirty="0" err="1"/>
+              <a:t>data_compra</a:t>
+            </a:r>
+            <a:r>
+              <a:rPr lang="pt-BR" dirty="0"/>
+              <a:t>'].</a:t>
+            </a:r>
+            <a:r>
+              <a:rPr lang="pt-BR" dirty="0" err="1"/>
+              <a:t>dt.dayofweek</a:t>
             </a:r>
             <a:endParaRPr lang="pt-BR" dirty="0"/>
           </a:p>
           <a:p>
             <a:r>
+              <a:rPr lang="pt-BR" b="1" dirty="0"/>
+              <a:t>Dica divertida:</a:t>
+            </a:r>
+            <a:r>
               <a:rPr lang="pt-BR" dirty="0"/>
-              <a:t>Exemplo:</a:t>
-            </a:r>
-          </a:p>
-          <a:p>
-            <a:r>
-              <a:rPr lang="pt-BR" dirty="0"/>
-              <a:t>Cor vermelho azul→ → →vermelho:1, azul:0</a:t>
-            </a:r>
-          </a:p>
-          <a:p>
-            <a:r>
-              <a:rPr lang="pt-BR" dirty="0"/>
-              <a:t>Dica prática: use emojis para representar categorias!</a:t>
-            </a:r>
-          </a:p>
-          <a:p>
-            <a:endParaRPr lang="en-US" dirty="0"/>
-          </a:p>
-          <a:p>
-            <a:endParaRPr lang="en-US" dirty="0"/>
+              <a:t> transforme datas em categorias como "madrugada", "hora do almoço".</a:t>
+            </a:r>
           </a:p>
         </p:txBody>
       </p:sp>
     </p:spTree>
     <p:extLst>
       <p:ext uri="{BB962C8B-B14F-4D97-AF65-F5344CB8AC3E}">
-        <p14:creationId xmlns:p14="http://schemas.microsoft.com/office/powerpoint/2010/main" val="1313539748"/>
+        <p14:creationId xmlns:p14="http://schemas.microsoft.com/office/powerpoint/2010/main" val="4109988057"/>
       </p:ext>
     </p:extLst>
   </p:cSld>
@@ -5099,7 +5306,7 @@
           <p:cNvPr id="2" name="Title 1">
             <a:extLst>
               <a:ext uri="{FF2B5EF4-FFF2-40B4-BE49-F238E27FC236}">
-                <a16:creationId xmlns:a16="http://schemas.microsoft.com/office/drawing/2014/main" id="{BA93B732-FD8C-AC6A-90A0-C71B105F5566}"/>
+                <a16:creationId xmlns:a16="http://schemas.microsoft.com/office/drawing/2014/main" id="{D09DF078-B9E8-64A5-59BB-3F6BD098D931}"/>
               </a:ext>
             </a:extLst>
           </p:cNvPr>
@@ -5117,7 +5324,7 @@
           <a:p>
             <a:r>
               <a:rPr lang="en-US" dirty="0" err="1"/>
-              <a:t>Escalonamento</a:t>
+              <a:t>Codificação</a:t>
             </a:r>
             <a:r>
               <a:rPr lang="en-US" dirty="0"/>
@@ -5125,7 +5332,15 @@
             </a:r>
             <a:r>
               <a:rPr lang="en-US" dirty="0" err="1"/>
-              <a:t>atributos</a:t>
+              <a:t>variáveis</a:t>
+            </a:r>
+            <a:r>
+              <a:rPr lang="en-US" dirty="0"/>
+              <a:t> </a:t>
+            </a:r>
+            <a:r>
+              <a:rPr lang="en-US" dirty="0" err="1"/>
+              <a:t>categóricas</a:t>
             </a:r>
             <a:endParaRPr lang="en-US" dirty="0"/>
           </a:p>
@@ -5136,7 +5351,7 @@
           <p:cNvPr id="3" name="Content Placeholder 2">
             <a:extLst>
               <a:ext uri="{FF2B5EF4-FFF2-40B4-BE49-F238E27FC236}">
-                <a16:creationId xmlns:a16="http://schemas.microsoft.com/office/drawing/2014/main" id="{637ED040-A025-7A5E-ECF6-6400B7A21C47}"/>
+                <a16:creationId xmlns:a16="http://schemas.microsoft.com/office/drawing/2014/main" id="{00BC64E6-60A5-6C81-8D65-4C4765C4A26C}"/>
               </a:ext>
             </a:extLst>
           </p:cNvPr>
@@ -5154,59 +5369,68 @@
           <a:p>
             <a:r>
               <a:rPr lang="pt-BR" dirty="0"/>
-              <a:t>Por que escalar?</a:t>
+              <a:t>Transformar texto em número:</a:t>
             </a:r>
             <a:br>
               <a:rPr lang="pt-BR" dirty="0"/>
             </a:br>
             <a:r>
               <a:rPr lang="pt-BR" dirty="0"/>
-              <a:t>✔ Modelos são sensíveis à escala</a:t>
+              <a:t>✔ </a:t>
+            </a:r>
+            <a:r>
+              <a:rPr lang="pt-BR" dirty="0" err="1"/>
+              <a:t>One</a:t>
+            </a:r>
+            <a:r>
+              <a:rPr lang="pt-BR" dirty="0"/>
+              <a:t>-Hot </a:t>
+            </a:r>
+            <a:r>
+              <a:rPr lang="pt-BR" dirty="0" err="1"/>
+              <a:t>Encoding</a:t>
             </a:r>
             <a:br>
               <a:rPr lang="pt-BR" dirty="0"/>
             </a:br>
             <a:r>
               <a:rPr lang="pt-BR" dirty="0"/>
-              <a:t>✔ Igualar influência das features</a:t>
-            </a:r>
-          </a:p>
-          <a:p>
+              <a:t>✔ </a:t>
+            </a:r>
+            <a:r>
+              <a:rPr lang="pt-BR" dirty="0" err="1"/>
+              <a:t>Label</a:t>
+            </a:r>
             <a:r>
               <a:rPr lang="pt-BR" dirty="0"/>
-              <a:t>Técnicas:</a:t>
-            </a:r>
-          </a:p>
-          <a:p>
+              <a:t> </a:t>
+            </a:r>
             <a:r>
               <a:rPr lang="pt-BR" dirty="0" err="1"/>
-              <a:t>StandardScaler</a:t>
-            </a:r>
+              <a:t>Encoding</a:t>
+            </a:r>
+            <a:endParaRPr lang="pt-BR" dirty="0"/>
+          </a:p>
+          <a:p>
             <a:r>
               <a:rPr lang="pt-BR" dirty="0"/>
-              <a:t> (média 0, var 1)</a:t>
-            </a:r>
-          </a:p>
-          <a:p>
-            <a:r>
-              <a:rPr lang="pt-BR" dirty="0" err="1"/>
-              <a:t>MinMaxScaler</a:t>
-            </a:r>
+              <a:t>Exemplo:</a:t>
+            </a:r>
+          </a:p>
+          <a:p>
             <a:r>
               <a:rPr lang="pt-BR" dirty="0"/>
-              <a:t> (entre 0 e 1)</a:t>
+              <a:t>Cor vermelho azul→ → →vermelho:1, azul:0</a:t>
             </a:r>
           </a:p>
           <a:p>
             <a:r>
               <a:rPr lang="pt-BR" dirty="0"/>
-              <a:t>Analogia divertida: </a:t>
-            </a:r>
-            <a:r>
-              <a:rPr lang="pt-BR" i="1" dirty="0"/>
-              <a:t>pense em altura vs. peso — precisamos “normalizar” pra comparar! 🧍📏⚖</a:t>
-            </a:r>
-            <a:endParaRPr lang="pt-BR" dirty="0"/>
+              <a:t>Dica prática: use emojis para representar categorias!</a:t>
+            </a:r>
+          </a:p>
+          <a:p>
+            <a:endParaRPr lang="en-US" dirty="0"/>
           </a:p>
           <a:p>
             <a:endParaRPr lang="en-US" dirty="0"/>
@@ -5216,7 +5440,7 @@
     </p:spTree>
     <p:extLst>
       <p:ext uri="{BB962C8B-B14F-4D97-AF65-F5344CB8AC3E}">
-        <p14:creationId xmlns:p14="http://schemas.microsoft.com/office/powerpoint/2010/main" val="2265051688"/>
+        <p14:creationId xmlns:p14="http://schemas.microsoft.com/office/powerpoint/2010/main" val="1313539748"/>
       </p:ext>
     </p:extLst>
   </p:cSld>
@@ -5248,7 +5472,7 @@
           <p:cNvPr id="2" name="Title 1">
             <a:extLst>
               <a:ext uri="{FF2B5EF4-FFF2-40B4-BE49-F238E27FC236}">
-                <a16:creationId xmlns:a16="http://schemas.microsoft.com/office/drawing/2014/main" id="{1C8DE41F-CBCE-DE3E-FF96-C1FE35436245}"/>
+                <a16:creationId xmlns:a16="http://schemas.microsoft.com/office/drawing/2014/main" id="{BA93B732-FD8C-AC6A-90A0-C71B105F5566}"/>
               </a:ext>
             </a:extLst>
           </p:cNvPr>
@@ -5265,12 +5489,16 @@
           <a:lstStyle/>
           <a:p>
             <a:r>
+              <a:rPr lang="en-US" dirty="0" err="1"/>
+              <a:t>Escalonamento</a:t>
+            </a:r>
+            <a:r>
               <a:rPr lang="en-US" dirty="0"/>
-              <a:t>Pipeline de </a:t>
+              <a:t> de </a:t>
             </a:r>
             <a:r>
               <a:rPr lang="en-US" dirty="0" err="1"/>
-              <a:t>pré-processamento</a:t>
+              <a:t>atributos</a:t>
             </a:r>
             <a:endParaRPr lang="en-US" dirty="0"/>
           </a:p>
@@ -5281,7 +5509,7 @@
           <p:cNvPr id="3" name="Content Placeholder 2">
             <a:extLst>
               <a:ext uri="{FF2B5EF4-FFF2-40B4-BE49-F238E27FC236}">
-                <a16:creationId xmlns:a16="http://schemas.microsoft.com/office/drawing/2014/main" id="{16B9CA14-0993-D9E3-35BD-F02EF871BEEC}"/>
+                <a16:creationId xmlns:a16="http://schemas.microsoft.com/office/drawing/2014/main" id="{637ED040-A025-7A5E-ECF6-6400B7A21C47}"/>
               </a:ext>
             </a:extLst>
           </p:cNvPr>
@@ -5299,78 +5527,69 @@
           <a:p>
             <a:r>
               <a:rPr lang="pt-BR" dirty="0"/>
-              <a:t>Combinar tudo em etapas:</a:t>
-            </a:r>
-          </a:p>
-          <a:p>
-            <a:pPr lvl="1"/>
-            <a:r>
+              <a:t>Por que escalar?</a:t>
+            </a:r>
+            <a:br>
               <a:rPr lang="pt-BR" dirty="0"/>
-              <a:t>Limpeza</a:t>
-            </a:r>
-          </a:p>
-          <a:p>
-            <a:pPr lvl="1"/>
+            </a:br>
             <a:r>
               <a:rPr lang="pt-BR" dirty="0"/>
-              <a:t>Transformações (</a:t>
-            </a:r>
+              <a:t>✔ Modelos são sensíveis à escala</a:t>
+            </a:r>
+            <a:br>
+              <a:rPr lang="pt-BR" dirty="0"/>
+            </a:br>
+            <a:r>
+              <a:rPr lang="pt-BR" dirty="0"/>
+              <a:t>✔ Igualar influência das features</a:t>
+            </a:r>
+          </a:p>
+          <a:p>
+            <a:r>
+              <a:rPr lang="pt-BR" dirty="0"/>
+              <a:t>Técnicas:</a:t>
+            </a:r>
+          </a:p>
+          <a:p>
             <a:r>
               <a:rPr lang="pt-BR" dirty="0" err="1"/>
-              <a:t>encoding</a:t>
+              <a:t>StandardScaler</a:t>
             </a:r>
             <a:r>
               <a:rPr lang="pt-BR" dirty="0"/>
-              <a:t>, </a:t>
-            </a:r>
-            <a:r>
-              <a:rPr lang="pt-BR"/>
-              <a:t>imputação)</a:t>
-            </a:r>
-          </a:p>
-          <a:p>
-            <a:pPr lvl="1"/>
-            <a:r>
-              <a:rPr lang="pt-BR"/>
-              <a:t>Escalonamento</a:t>
+              <a:t> (média 0, var 1)</a:t>
+            </a:r>
+          </a:p>
+          <a:p>
+            <a:r>
+              <a:rPr lang="pt-BR" dirty="0" err="1"/>
+              <a:t>MinMaxScaler</a:t>
+            </a:r>
+            <a:r>
+              <a:rPr lang="pt-BR" dirty="0"/>
+              <a:t> (entre 0 e 1)</a:t>
+            </a:r>
+          </a:p>
+          <a:p>
+            <a:r>
+              <a:rPr lang="pt-BR" dirty="0"/>
+              <a:t>Analogia divertida: </a:t>
+            </a:r>
+            <a:r>
+              <a:rPr lang="pt-BR" i="1" dirty="0"/>
+              <a:t>pense em altura vs. peso — precisamos “normalizar” pra comparar! 🧍📏⚖</a:t>
             </a:r>
             <a:endParaRPr lang="pt-BR" dirty="0"/>
           </a:p>
           <a:p>
-            <a:r>
-              <a:rPr lang="pt-BR" dirty="0"/>
-              <a:t>🔧 Em Python com </a:t>
-            </a:r>
-            <a:r>
-              <a:rPr lang="pt-BR" dirty="0" err="1"/>
-              <a:t>scikit-learn</a:t>
-            </a:r>
-            <a:r>
-              <a:rPr lang="pt-BR" dirty="0"/>
-              <a:t>:</a:t>
-            </a:r>
-          </a:p>
-          <a:p>
-            <a:pPr lvl="1"/>
-            <a:r>
-              <a:rPr lang="en-US" dirty="0"/>
-              <a:t>from </a:t>
-            </a:r>
-            <a:r>
-              <a:rPr lang="en-US" dirty="0" err="1"/>
-              <a:t>sklearn.pipeline</a:t>
-            </a:r>
-            <a:r>
-              <a:rPr lang="en-US" dirty="0"/>
-              <a:t> import Pipeline</a:t>
-            </a:r>
+            <a:endParaRPr lang="en-US" dirty="0"/>
           </a:p>
         </p:txBody>
       </p:sp>
     </p:spTree>
     <p:extLst>
       <p:ext uri="{BB962C8B-B14F-4D97-AF65-F5344CB8AC3E}">
-        <p14:creationId xmlns:p14="http://schemas.microsoft.com/office/powerpoint/2010/main" val="3057734055"/>
+        <p14:creationId xmlns:p14="http://schemas.microsoft.com/office/powerpoint/2010/main" val="2265051688"/>
       </p:ext>
     </p:extLst>
   </p:cSld>
@@ -5399,64 +5618,132 @@
       </p:grpSpPr>
       <p:sp>
         <p:nvSpPr>
-          <p:cNvPr id="4" name="Título 1">
-            <a:extLst>
-              <a:ext uri="{FF2B5EF4-FFF2-40B4-BE49-F238E27FC236}">
-                <a16:creationId xmlns:a16="http://schemas.microsoft.com/office/drawing/2014/main" id="{32666AC8-2E17-4DB4-B0F5-60C640CCFD2E}"/>
-              </a:ext>
-            </a:extLst>
-          </p:cNvPr>
-          <p:cNvSpPr txBox="1">
-            <a:spLocks/>
-          </p:cNvSpPr>
-          <p:nvPr/>
-        </p:nvSpPr>
-        <p:spPr>
-          <a:xfrm>
-            <a:off x="1431533" y="2720526"/>
-            <a:ext cx="9144000" cy="1029541"/>
-          </a:xfrm>
-          <a:prstGeom prst="rect">
-            <a:avLst/>
-          </a:prstGeom>
-        </p:spPr>
-        <p:txBody>
-          <a:bodyPr vert="horz" lIns="91440" tIns="45720" rIns="91440" bIns="45720" rtlCol="0" anchor="ctr">
-            <a:normAutofit/>
-          </a:bodyPr>
-          <a:lstStyle>
-            <a:lvl1pPr algn="l" defTabSz="914400" rtl="0" eaLnBrk="1" latinLnBrk="0" hangingPunct="1">
-              <a:lnSpc>
-                <a:spcPct val="90000"/>
-              </a:lnSpc>
-              <a:spcBef>
-                <a:spcPct val="0"/>
-              </a:spcBef>
-              <a:buNone/>
-              <a:defRPr sz="4400" kern="1200">
-                <a:solidFill>
-                  <a:schemeClr val="tx1"/>
-                </a:solidFill>
-                <a:latin typeface="+mj-lt"/>
-                <a:ea typeface="+mj-ea"/>
-                <a:cs typeface="+mj-cs"/>
-              </a:defRPr>
-            </a:lvl1pPr>
-          </a:lstStyle>
-          <a:p>
-            <a:pPr algn="ctr"/>
-            <a:r>
-              <a:rPr lang="pt-BR" sz="6600" dirty="0"/>
-              <a:t>Perguntas?</a:t>
-            </a:r>
-            <a:endParaRPr lang="pt-BR" sz="6600" b="1" i="1" dirty="0"/>
+          <p:cNvPr id="2" name="Title 1">
+            <a:extLst>
+              <a:ext uri="{FF2B5EF4-FFF2-40B4-BE49-F238E27FC236}">
+                <a16:creationId xmlns:a16="http://schemas.microsoft.com/office/drawing/2014/main" id="{1C8DE41F-CBCE-DE3E-FF96-C1FE35436245}"/>
+              </a:ext>
+            </a:extLst>
+          </p:cNvPr>
+          <p:cNvSpPr>
+            <a:spLocks noGrp="1"/>
+          </p:cNvSpPr>
+          <p:nvPr>
+            <p:ph type="title"/>
+          </p:nvPr>
+        </p:nvSpPr>
+        <p:spPr/>
+        <p:txBody>
+          <a:bodyPr/>
+          <a:lstStyle/>
+          <a:p>
+            <a:r>
+              <a:rPr lang="en-US" dirty="0"/>
+              <a:t>Pipeline de </a:t>
+            </a:r>
+            <a:r>
+              <a:rPr lang="en-US" dirty="0" err="1"/>
+              <a:t>pré-processamento</a:t>
+            </a:r>
+            <a:endParaRPr lang="en-US" dirty="0"/>
+          </a:p>
+        </p:txBody>
+      </p:sp>
+      <p:sp>
+        <p:nvSpPr>
+          <p:cNvPr id="3" name="Content Placeholder 2">
+            <a:extLst>
+              <a:ext uri="{FF2B5EF4-FFF2-40B4-BE49-F238E27FC236}">
+                <a16:creationId xmlns:a16="http://schemas.microsoft.com/office/drawing/2014/main" id="{16B9CA14-0993-D9E3-35BD-F02EF871BEEC}"/>
+              </a:ext>
+            </a:extLst>
+          </p:cNvPr>
+          <p:cNvSpPr>
+            <a:spLocks noGrp="1"/>
+          </p:cNvSpPr>
+          <p:nvPr>
+            <p:ph idx="1"/>
+          </p:nvPr>
+        </p:nvSpPr>
+        <p:spPr/>
+        <p:txBody>
+          <a:bodyPr/>
+          <a:lstStyle/>
+          <a:p>
+            <a:r>
+              <a:rPr lang="pt-BR" dirty="0"/>
+              <a:t>Combinar tudo em etapas:</a:t>
+            </a:r>
+          </a:p>
+          <a:p>
+            <a:pPr lvl="1"/>
+            <a:r>
+              <a:rPr lang="pt-BR" dirty="0"/>
+              <a:t>Limpeza</a:t>
+            </a:r>
+          </a:p>
+          <a:p>
+            <a:pPr lvl="1"/>
+            <a:r>
+              <a:rPr lang="pt-BR" dirty="0"/>
+              <a:t>Transformações (</a:t>
+            </a:r>
+            <a:r>
+              <a:rPr lang="pt-BR" dirty="0" err="1"/>
+              <a:t>encoding</a:t>
+            </a:r>
+            <a:r>
+              <a:rPr lang="pt-BR" dirty="0"/>
+              <a:t>, </a:t>
+            </a:r>
+            <a:r>
+              <a:rPr lang="pt-BR"/>
+              <a:t>imputação)</a:t>
+            </a:r>
+          </a:p>
+          <a:p>
+            <a:pPr lvl="1"/>
+            <a:r>
+              <a:rPr lang="pt-BR"/>
+              <a:t>Escalonamento</a:t>
+            </a:r>
+            <a:endParaRPr lang="pt-BR" dirty="0"/>
+          </a:p>
+          <a:p>
+            <a:r>
+              <a:rPr lang="pt-BR" dirty="0"/>
+              <a:t>🔧 Em Python com </a:t>
+            </a:r>
+            <a:r>
+              <a:rPr lang="pt-BR" dirty="0" err="1"/>
+              <a:t>scikit-learn</a:t>
+            </a:r>
+            <a:r>
+              <a:rPr lang="pt-BR" dirty="0"/>
+              <a:t>:</a:t>
+            </a:r>
+          </a:p>
+          <a:p>
+            <a:pPr lvl="1"/>
+            <a:r>
+              <a:rPr lang="en-US" dirty="0"/>
+              <a:t>from </a:t>
+            </a:r>
+            <a:r>
+              <a:rPr lang="en-US" dirty="0" err="1"/>
+              <a:t>sklearn.pipeline</a:t>
+            </a:r>
+            <a:r>
+              <a:rPr lang="en-US" dirty="0"/>
+              <a:t> import Pipeline</a:t>
+            </a:r>
           </a:p>
         </p:txBody>
       </p:sp>
     </p:spTree>
     <p:extLst>
       <p:ext uri="{BB962C8B-B14F-4D97-AF65-F5344CB8AC3E}">
-        <p14:creationId xmlns:p14="http://schemas.microsoft.com/office/powerpoint/2010/main" val="3773005660"/>
+        <p14:creationId xmlns:p14="http://schemas.microsoft.com/office/powerpoint/2010/main" val="3057734055"/>
       </p:ext>
     </p:extLst>
   </p:cSld>
@@ -5485,61 +5772,64 @@
       </p:grpSpPr>
       <p:sp>
         <p:nvSpPr>
-          <p:cNvPr id="2" name="Título 1">
-            <a:extLst>
-              <a:ext uri="{FF2B5EF4-FFF2-40B4-BE49-F238E27FC236}">
-                <a16:creationId xmlns:a16="http://schemas.microsoft.com/office/drawing/2014/main" id="{3CA32550-8C76-B013-2EC7-989D8C3B19BE}"/>
-              </a:ext>
-            </a:extLst>
-          </p:cNvPr>
-          <p:cNvSpPr>
-            <a:spLocks noGrp="1"/>
-          </p:cNvSpPr>
-          <p:nvPr>
-            <p:ph type="title"/>
-          </p:nvPr>
-        </p:nvSpPr>
-        <p:spPr/>
-        <p:txBody>
-          <a:bodyPr/>
-          <a:lstStyle/>
-          <a:p>
-            <a:r>
-              <a:rPr lang="pt-BR" dirty="0"/>
-              <a:t>Referências</a:t>
-            </a:r>
-          </a:p>
-        </p:txBody>
-      </p:sp>
-      <p:sp>
-        <p:nvSpPr>
-          <p:cNvPr id="3" name="Espaço Reservado para Conteúdo 2">
-            <a:extLst>
-              <a:ext uri="{FF2B5EF4-FFF2-40B4-BE49-F238E27FC236}">
-                <a16:creationId xmlns:a16="http://schemas.microsoft.com/office/drawing/2014/main" id="{EF043237-7757-7557-B63E-D4EB5152D44B}"/>
-              </a:ext>
-            </a:extLst>
-          </p:cNvPr>
-          <p:cNvSpPr>
-            <a:spLocks noGrp="1"/>
-          </p:cNvSpPr>
-          <p:nvPr>
-            <p:ph idx="1"/>
-          </p:nvPr>
-        </p:nvSpPr>
-        <p:spPr/>
-        <p:txBody>
-          <a:bodyPr/>
-          <a:lstStyle/>
-          <a:p>
-            <a:endParaRPr lang="pt-BR"/>
+          <p:cNvPr id="4" name="Título 1">
+            <a:extLst>
+              <a:ext uri="{FF2B5EF4-FFF2-40B4-BE49-F238E27FC236}">
+                <a16:creationId xmlns:a16="http://schemas.microsoft.com/office/drawing/2014/main" id="{32666AC8-2E17-4DB4-B0F5-60C640CCFD2E}"/>
+              </a:ext>
+            </a:extLst>
+          </p:cNvPr>
+          <p:cNvSpPr txBox="1">
+            <a:spLocks/>
+          </p:cNvSpPr>
+          <p:nvPr/>
+        </p:nvSpPr>
+        <p:spPr>
+          <a:xfrm>
+            <a:off x="1431533" y="2720526"/>
+            <a:ext cx="9144000" cy="1029541"/>
+          </a:xfrm>
+          <a:prstGeom prst="rect">
+            <a:avLst/>
+          </a:prstGeom>
+        </p:spPr>
+        <p:txBody>
+          <a:bodyPr vert="horz" lIns="91440" tIns="45720" rIns="91440" bIns="45720" rtlCol="0" anchor="ctr">
+            <a:normAutofit/>
+          </a:bodyPr>
+          <a:lstStyle>
+            <a:lvl1pPr algn="l" defTabSz="914400" rtl="0" eaLnBrk="1" latinLnBrk="0" hangingPunct="1">
+              <a:lnSpc>
+                <a:spcPct val="90000"/>
+              </a:lnSpc>
+              <a:spcBef>
+                <a:spcPct val="0"/>
+              </a:spcBef>
+              <a:buNone/>
+              <a:defRPr sz="4400" kern="1200">
+                <a:solidFill>
+                  <a:schemeClr val="tx1"/>
+                </a:solidFill>
+                <a:latin typeface="+mj-lt"/>
+                <a:ea typeface="+mj-ea"/>
+                <a:cs typeface="+mj-cs"/>
+              </a:defRPr>
+            </a:lvl1pPr>
+          </a:lstStyle>
+          <a:p>
+            <a:pPr algn="ctr"/>
+            <a:r>
+              <a:rPr lang="pt-BR" sz="6600" dirty="0"/>
+              <a:t>Perguntas?</a:t>
+            </a:r>
+            <a:endParaRPr lang="pt-BR" sz="6600" b="1" i="1" dirty="0"/>
           </a:p>
         </p:txBody>
       </p:sp>
     </p:spTree>
     <p:extLst>
       <p:ext uri="{BB962C8B-B14F-4D97-AF65-F5344CB8AC3E}">
-        <p14:creationId xmlns:p14="http://schemas.microsoft.com/office/powerpoint/2010/main" val="1787264919"/>
+        <p14:creationId xmlns:p14="http://schemas.microsoft.com/office/powerpoint/2010/main" val="3773005660"/>
       </p:ext>
     </p:extLst>
   </p:cSld>

--- a/slides/C24_Transformações.pptx
+++ b/slides/C24_Transformações.pptx
@@ -5,10 +5,10 @@
     <p:sldMasterId id="2147483648" r:id="rId1"/>
   </p:sldMasterIdLst>
   <p:notesMasterIdLst>
-    <p:notesMasterId r:id="rId13"/>
+    <p:notesMasterId r:id="rId12"/>
   </p:notesMasterIdLst>
   <p:handoutMasterIdLst>
-    <p:handoutMasterId r:id="rId14"/>
+    <p:handoutMasterId r:id="rId13"/>
   </p:handoutMasterIdLst>
   <p:sldIdLst>
     <p:sldId id="256" r:id="rId2"/>
@@ -20,8 +20,7 @@
     <p:sldId id="319" r:id="rId8"/>
     <p:sldId id="315" r:id="rId9"/>
     <p:sldId id="293" r:id="rId10"/>
-    <p:sldId id="314" r:id="rId11"/>
-    <p:sldId id="306" r:id="rId12"/>
+    <p:sldId id="306" r:id="rId11"/>
   </p:sldIdLst>
   <p:sldSz cx="12192000" cy="6858000"/>
   <p:notesSz cx="7315200" cy="9601200"/>
@@ -285,7 +284,7 @@
           <a:p>
             <a:fld id="{144F1436-6906-4D93-B7A2-786C327BFA14}" type="datetimeFigureOut">
               <a:rPr lang="nl-BE" smtClean="0"/>
-              <a:t>23/01/2026</a:t>
+              <a:t>28/01/2026</a:t>
             </a:fld>
             <a:endParaRPr lang="nl-BE"/>
           </a:p>
@@ -450,7 +449,7 @@
           <a:p>
             <a:fld id="{AA8CD09E-2914-4F47-B6C1-51B2C31814C9}" type="datetimeFigureOut">
               <a:rPr lang="pt-BR" smtClean="0"/>
-              <a:t>23/01/2026</a:t>
+              <a:t>28/01/2026</a:t>
             </a:fld>
             <a:endParaRPr lang="pt-BR"/>
           </a:p>
@@ -1200,7 +1199,7 @@
           <a:p>
             <a:fld id="{63289F7E-B80B-496E-81B4-D396C37C9454}" type="datetimeFigureOut">
               <a:rPr lang="pt-BR" smtClean="0"/>
-              <a:t>23/01/2026</a:t>
+              <a:t>28/01/2026</a:t>
             </a:fld>
             <a:endParaRPr lang="pt-BR"/>
           </a:p>
@@ -1398,7 +1397,7 @@
           <a:p>
             <a:fld id="{63289F7E-B80B-496E-81B4-D396C37C9454}" type="datetimeFigureOut">
               <a:rPr lang="pt-BR" smtClean="0"/>
-              <a:t>23/01/2026</a:t>
+              <a:t>28/01/2026</a:t>
             </a:fld>
             <a:endParaRPr lang="pt-BR"/>
           </a:p>
@@ -1606,7 +1605,7 @@
           <a:p>
             <a:fld id="{63289F7E-B80B-496E-81B4-D396C37C9454}" type="datetimeFigureOut">
               <a:rPr lang="pt-BR" smtClean="0"/>
-              <a:t>23/01/2026</a:t>
+              <a:t>28/01/2026</a:t>
             </a:fld>
             <a:endParaRPr lang="pt-BR"/>
           </a:p>
@@ -1804,7 +1803,7 @@
           <a:p>
             <a:fld id="{63289F7E-B80B-496E-81B4-D396C37C9454}" type="datetimeFigureOut">
               <a:rPr lang="pt-BR" smtClean="0"/>
-              <a:t>23/01/2026</a:t>
+              <a:t>28/01/2026</a:t>
             </a:fld>
             <a:endParaRPr lang="pt-BR"/>
           </a:p>
@@ -2079,7 +2078,7 @@
           <a:p>
             <a:fld id="{63289F7E-B80B-496E-81B4-D396C37C9454}" type="datetimeFigureOut">
               <a:rPr lang="pt-BR" smtClean="0"/>
-              <a:t>23/01/2026</a:t>
+              <a:t>28/01/2026</a:t>
             </a:fld>
             <a:endParaRPr lang="pt-BR"/>
           </a:p>
@@ -2344,7 +2343,7 @@
           <a:p>
             <a:fld id="{63289F7E-B80B-496E-81B4-D396C37C9454}" type="datetimeFigureOut">
               <a:rPr lang="pt-BR" smtClean="0"/>
-              <a:t>23/01/2026</a:t>
+              <a:t>28/01/2026</a:t>
             </a:fld>
             <a:endParaRPr lang="pt-BR"/>
           </a:p>
@@ -2756,7 +2755,7 @@
           <a:p>
             <a:fld id="{63289F7E-B80B-496E-81B4-D396C37C9454}" type="datetimeFigureOut">
               <a:rPr lang="pt-BR" smtClean="0"/>
-              <a:t>23/01/2026</a:t>
+              <a:t>28/01/2026</a:t>
             </a:fld>
             <a:endParaRPr lang="pt-BR"/>
           </a:p>
@@ -2897,7 +2896,7 @@
           <a:p>
             <a:fld id="{63289F7E-B80B-496E-81B4-D396C37C9454}" type="datetimeFigureOut">
               <a:rPr lang="pt-BR" smtClean="0"/>
-              <a:t>23/01/2026</a:t>
+              <a:t>28/01/2026</a:t>
             </a:fld>
             <a:endParaRPr lang="pt-BR"/>
           </a:p>
@@ -3010,7 +3009,7 @@
           <a:p>
             <a:fld id="{63289F7E-B80B-496E-81B4-D396C37C9454}" type="datetimeFigureOut">
               <a:rPr lang="pt-BR" smtClean="0"/>
-              <a:t>23/01/2026</a:t>
+              <a:t>28/01/2026</a:t>
             </a:fld>
             <a:endParaRPr lang="pt-BR"/>
           </a:p>
@@ -3321,7 +3320,7 @@
           <a:p>
             <a:fld id="{63289F7E-B80B-496E-81B4-D396C37C9454}" type="datetimeFigureOut">
               <a:rPr lang="pt-BR" smtClean="0"/>
-              <a:t>23/01/2026</a:t>
+              <a:t>28/01/2026</a:t>
             </a:fld>
             <a:endParaRPr lang="pt-BR"/>
           </a:p>
@@ -3609,7 +3608,7 @@
           <a:p>
             <a:fld id="{63289F7E-B80B-496E-81B4-D396C37C9454}" type="datetimeFigureOut">
               <a:rPr lang="pt-BR" smtClean="0"/>
-              <a:t>23/01/2026</a:t>
+              <a:t>28/01/2026</a:t>
             </a:fld>
             <a:endParaRPr lang="pt-BR"/>
           </a:p>
@@ -3850,7 +3849,7 @@
           <a:p>
             <a:fld id="{63289F7E-B80B-496E-81B4-D396C37C9454}" type="datetimeFigureOut">
               <a:rPr lang="pt-BR" smtClean="0"/>
-              <a:t>23/01/2026</a:t>
+              <a:t>28/01/2026</a:t>
             </a:fld>
             <a:endParaRPr lang="pt-BR"/>
           </a:p>
@@ -4457,89 +4456,6 @@
 </file>
 
 <file path=ppt/slides/slide10.xml><?xml version="1.0" encoding="utf-8"?>
-<p:sld xmlns:a="http://schemas.openxmlformats.org/drawingml/2006/main" xmlns:r="http://schemas.openxmlformats.org/officeDocument/2006/relationships" xmlns:p="http://schemas.openxmlformats.org/presentationml/2006/main">
-  <p:cSld>
-    <p:spTree>
-      <p:nvGrpSpPr>
-        <p:cNvPr id="1" name=""/>
-        <p:cNvGrpSpPr/>
-        <p:nvPr/>
-      </p:nvGrpSpPr>
-      <p:grpSpPr>
-        <a:xfrm>
-          <a:off x="0" y="0"/>
-          <a:ext cx="0" cy="0"/>
-          <a:chOff x="0" y="0"/>
-          <a:chExt cx="0" cy="0"/>
-        </a:xfrm>
-      </p:grpSpPr>
-      <p:sp>
-        <p:nvSpPr>
-          <p:cNvPr id="2" name="Título 1">
-            <a:extLst>
-              <a:ext uri="{FF2B5EF4-FFF2-40B4-BE49-F238E27FC236}">
-                <a16:creationId xmlns:a16="http://schemas.microsoft.com/office/drawing/2014/main" id="{3CA32550-8C76-B013-2EC7-989D8C3B19BE}"/>
-              </a:ext>
-            </a:extLst>
-          </p:cNvPr>
-          <p:cNvSpPr>
-            <a:spLocks noGrp="1"/>
-          </p:cNvSpPr>
-          <p:nvPr>
-            <p:ph type="title"/>
-          </p:nvPr>
-        </p:nvSpPr>
-        <p:spPr/>
-        <p:txBody>
-          <a:bodyPr/>
-          <a:lstStyle/>
-          <a:p>
-            <a:r>
-              <a:rPr lang="pt-BR" dirty="0"/>
-              <a:t>Referências</a:t>
-            </a:r>
-          </a:p>
-        </p:txBody>
-      </p:sp>
-      <p:sp>
-        <p:nvSpPr>
-          <p:cNvPr id="3" name="Espaço Reservado para Conteúdo 2">
-            <a:extLst>
-              <a:ext uri="{FF2B5EF4-FFF2-40B4-BE49-F238E27FC236}">
-                <a16:creationId xmlns:a16="http://schemas.microsoft.com/office/drawing/2014/main" id="{EF043237-7757-7557-B63E-D4EB5152D44B}"/>
-              </a:ext>
-            </a:extLst>
-          </p:cNvPr>
-          <p:cNvSpPr>
-            <a:spLocks noGrp="1"/>
-          </p:cNvSpPr>
-          <p:nvPr>
-            <p:ph idx="1"/>
-          </p:nvPr>
-        </p:nvSpPr>
-        <p:spPr/>
-        <p:txBody>
-          <a:bodyPr/>
-          <a:lstStyle/>
-          <a:p>
-            <a:endParaRPr lang="pt-BR"/>
-          </a:p>
-        </p:txBody>
-      </p:sp>
-    </p:spTree>
-    <p:extLst>
-      <p:ext uri="{BB962C8B-B14F-4D97-AF65-F5344CB8AC3E}">
-        <p14:creationId xmlns:p14="http://schemas.microsoft.com/office/powerpoint/2010/main" val="1787264919"/>
-      </p:ext>
-    </p:extLst>
-  </p:cSld>
-  <p:clrMapOvr>
-    <a:masterClrMapping/>
-  </p:clrMapOvr>
-</p:sld>
-</file>
-
-<file path=ppt/slides/slide11.xml><?xml version="1.0" encoding="utf-8"?>
 <p:sld xmlns:a="http://schemas.openxmlformats.org/drawingml/2006/main" xmlns:r="http://schemas.openxmlformats.org/officeDocument/2006/relationships" xmlns:p="http://schemas.openxmlformats.org/presentationml/2006/main">
   <p:cSld>
     <p:spTree>
